--- a/eece2160/sp17/lectures/eece.2160sp17_lec23_structures.pptx
+++ b/eece2160/sp17/lectures/eece.2160sp17_lec23_structures.pptx
@@ -1341,11 +1341,8 @@
             <a:pPr>
               <a:defRPr/>
             </a:pPr>
-            <a:fld id="{85DE0E02-C11C-3B4D-A7A1-1710C9A49481}" type="datetime1">
-              <a:rPr lang="en-US"/>
-              <a:pPr>
-                <a:defRPr/>
-              </a:pPr>
+            <a:fld id="{47C5D68A-D9F1-A54C-B1AC-A3875628AAD8}" type="datetime1">
+              <a:rPr lang="en-US" smtClean="0"/>
               <a:t>3/22/17</a:t>
             </a:fld>
             <a:endParaRPr lang="en-US"/>
@@ -1380,9 +1377,10 @@
               <a:defRPr/>
             </a:pPr>
             <a:r>
-              <a:rPr lang="en-US" altLang="en-US"/>
-              <a:t>ECE Application Programming:  Lecture 25</a:t>
-            </a:r>
+              <a:rPr lang="en-US" altLang="en-US" smtClean="0"/>
+              <a:t>ECE Application Programming:  Lecture 23</a:t>
+            </a:r>
+            <a:endParaRPr lang="en-US" altLang="en-US"/>
           </a:p>
         </p:txBody>
       </p:sp>
@@ -1548,11 +1546,8 @@
             <a:pPr>
               <a:defRPr/>
             </a:pPr>
-            <a:fld id="{864ACBD7-6BA3-C942-853D-AEEA86AE5A79}" type="datetime1">
-              <a:rPr lang="en-US"/>
-              <a:pPr>
-                <a:defRPr/>
-              </a:pPr>
+            <a:fld id="{02CB16FA-FE8F-7842-9780-6B9363BFB902}" type="datetime1">
+              <a:rPr lang="en-US" smtClean="0"/>
               <a:t>3/22/17</a:t>
             </a:fld>
             <a:endParaRPr lang="en-US"/>
@@ -1584,9 +1579,10 @@
               <a:defRPr/>
             </a:pPr>
             <a:r>
-              <a:rPr lang="en-US" altLang="en-US"/>
-              <a:t>ECE Application Programming:  Lecture 25</a:t>
-            </a:r>
+              <a:rPr lang="en-US" altLang="en-US" smtClean="0"/>
+              <a:t>ECE Application Programming:  Lecture 23</a:t>
+            </a:r>
+            <a:endParaRPr lang="en-US" altLang="en-US"/>
           </a:p>
         </p:txBody>
       </p:sp>
@@ -1764,11 +1760,8 @@
             <a:pPr>
               <a:defRPr/>
             </a:pPr>
-            <a:fld id="{662B63D6-9FDD-024E-B397-A9A5DB8715F9}" type="datetime1">
-              <a:rPr lang="en-US"/>
-              <a:pPr>
-                <a:defRPr/>
-              </a:pPr>
+            <a:fld id="{65F327BD-1361-1548-B878-9A34FEB53AE0}" type="datetime1">
+              <a:rPr lang="en-US" smtClean="0"/>
               <a:t>3/22/17</a:t>
             </a:fld>
             <a:endParaRPr lang="en-US"/>
@@ -1800,9 +1793,10 @@
               <a:defRPr/>
             </a:pPr>
             <a:r>
-              <a:rPr lang="en-US" altLang="en-US"/>
-              <a:t>ECE Application Programming:  Lecture 25</a:t>
-            </a:r>
+              <a:rPr lang="en-US" altLang="en-US" smtClean="0"/>
+              <a:t>ECE Application Programming:  Lecture 23</a:t>
+            </a:r>
+            <a:endParaRPr lang="en-US" altLang="en-US"/>
           </a:p>
         </p:txBody>
       </p:sp>
@@ -2037,11 +2031,8 @@
             <a:pPr>
               <a:defRPr/>
             </a:pPr>
-            <a:fld id="{48950030-C9DB-8F4F-B8D3-2ED7519346F1}" type="datetime1">
-              <a:rPr lang="en-US"/>
-              <a:pPr>
-                <a:defRPr/>
-              </a:pPr>
+            <a:fld id="{BE2A356F-7808-8040-8205-C91CA1AB9D98}" type="datetime1">
+              <a:rPr lang="en-US" smtClean="0"/>
               <a:t>3/22/17</a:t>
             </a:fld>
             <a:endParaRPr lang="en-US"/>
@@ -2073,9 +2064,10 @@
               <a:defRPr/>
             </a:pPr>
             <a:r>
-              <a:rPr lang="en-US" altLang="en-US"/>
-              <a:t>ECE Application Programming:  Lecture 25</a:t>
-            </a:r>
+              <a:rPr lang="en-US" altLang="en-US" smtClean="0"/>
+              <a:t>ECE Application Programming:  Lecture 23</a:t>
+            </a:r>
+            <a:endParaRPr lang="en-US" altLang="en-US"/>
           </a:p>
         </p:txBody>
       </p:sp>
@@ -2310,11 +2302,8 @@
             <a:pPr>
               <a:defRPr/>
             </a:pPr>
-            <a:fld id="{3B2EB24D-0357-504D-A132-8E312666EC0D}" type="datetime1">
-              <a:rPr lang="en-US"/>
-              <a:pPr>
-                <a:defRPr/>
-              </a:pPr>
+            <a:fld id="{7BECCF27-5357-9542-96DC-2A0EC888DC12}" type="datetime1">
+              <a:rPr lang="en-US" smtClean="0"/>
               <a:t>3/22/17</a:t>
             </a:fld>
             <a:endParaRPr lang="en-US"/>
@@ -2346,9 +2335,10 @@
               <a:defRPr/>
             </a:pPr>
             <a:r>
-              <a:rPr lang="en-US" altLang="en-US"/>
-              <a:t>ECE Application Programming:  Lecture 25</a:t>
-            </a:r>
+              <a:rPr lang="en-US" altLang="en-US" smtClean="0"/>
+              <a:t>ECE Application Programming:  Lecture 23</a:t>
+            </a:r>
+            <a:endParaRPr lang="en-US" altLang="en-US"/>
           </a:p>
         </p:txBody>
       </p:sp>
@@ -2516,11 +2506,8 @@
             <a:pPr>
               <a:defRPr/>
             </a:pPr>
-            <a:fld id="{EC05C320-FCCA-C140-900F-AA298A25C57E}" type="datetime1">
-              <a:rPr lang="en-US"/>
-              <a:pPr>
-                <a:defRPr/>
-              </a:pPr>
+            <a:fld id="{8FB78520-E4E0-3D43-BEE4-0EC1F395230A}" type="datetime1">
+              <a:rPr lang="en-US" smtClean="0"/>
               <a:t>3/22/17</a:t>
             </a:fld>
             <a:endParaRPr lang="en-US"/>
@@ -2552,9 +2539,10 @@
               <a:defRPr/>
             </a:pPr>
             <a:r>
-              <a:rPr lang="en-US" altLang="en-US"/>
-              <a:t>ECE Application Programming:  Lecture 25</a:t>
-            </a:r>
+              <a:rPr lang="en-US" altLang="en-US" smtClean="0"/>
+              <a:t>ECE Application Programming:  Lecture 23</a:t>
+            </a:r>
+            <a:endParaRPr lang="en-US" altLang="en-US"/>
           </a:p>
         </p:txBody>
       </p:sp>
@@ -2744,11 +2732,8 @@
             <a:pPr>
               <a:defRPr/>
             </a:pPr>
-            <a:fld id="{853E19FE-D91C-1D47-B6F0-0A294FEE9327}" type="datetime1">
-              <a:rPr lang="en-US"/>
-              <a:pPr>
-                <a:defRPr/>
-              </a:pPr>
+            <a:fld id="{4E92341E-F5E3-B446-90E7-64B049EEE030}" type="datetime1">
+              <a:rPr lang="en-US" smtClean="0"/>
               <a:t>3/22/17</a:t>
             </a:fld>
             <a:endParaRPr lang="en-US"/>
@@ -2780,9 +2765,10 @@
               <a:defRPr/>
             </a:pPr>
             <a:r>
-              <a:rPr lang="en-US" altLang="en-US"/>
-              <a:t>ECE Application Programming:  Lecture 25</a:t>
-            </a:r>
+              <a:rPr lang="en-US" altLang="en-US" smtClean="0"/>
+              <a:t>ECE Application Programming:  Lecture 23</a:t>
+            </a:r>
+            <a:endParaRPr lang="en-US" altLang="en-US"/>
           </a:p>
         </p:txBody>
       </p:sp>
@@ -3068,11 +3054,8 @@
             <a:pPr>
               <a:defRPr/>
             </a:pPr>
-            <a:fld id="{520AC80C-D2C5-144C-BCC8-3145CDE0D3D4}" type="datetime1">
-              <a:rPr lang="en-US"/>
-              <a:pPr>
-                <a:defRPr/>
-              </a:pPr>
+            <a:fld id="{8A97F688-51EC-0540-BBDE-1C28CDF0157D}" type="datetime1">
+              <a:rPr lang="en-US" smtClean="0"/>
               <a:t>3/22/17</a:t>
             </a:fld>
             <a:endParaRPr lang="en-US"/>
@@ -3104,9 +3087,10 @@
               <a:defRPr/>
             </a:pPr>
             <a:r>
-              <a:rPr lang="en-US" altLang="en-US"/>
-              <a:t>ECE Application Programming:  Lecture 25</a:t>
-            </a:r>
+              <a:rPr lang="en-US" altLang="en-US" smtClean="0"/>
+              <a:t>ECE Application Programming:  Lecture 23</a:t>
+            </a:r>
+            <a:endParaRPr lang="en-US" altLang="en-US"/>
           </a:p>
         </p:txBody>
       </p:sp>
@@ -3531,11 +3515,8 @@
             <a:pPr>
               <a:defRPr/>
             </a:pPr>
-            <a:fld id="{EA2078A4-2EFB-3547-BDFA-08BE042BCFDB}" type="datetime1">
-              <a:rPr lang="en-US"/>
-              <a:pPr>
-                <a:defRPr/>
-              </a:pPr>
+            <a:fld id="{415A7C39-2487-5E44-B451-93890D7E0328}" type="datetime1">
+              <a:rPr lang="en-US" smtClean="0"/>
               <a:t>3/22/17</a:t>
             </a:fld>
             <a:endParaRPr lang="en-US"/>
@@ -3567,9 +3548,10 @@
               <a:defRPr/>
             </a:pPr>
             <a:r>
-              <a:rPr lang="en-US" altLang="en-US"/>
-              <a:t>ECE Application Programming:  Lecture 25</a:t>
-            </a:r>
+              <a:rPr lang="en-US" altLang="en-US" smtClean="0"/>
+              <a:t>ECE Application Programming:  Lecture 23</a:t>
+            </a:r>
+            <a:endParaRPr lang="en-US" altLang="en-US"/>
           </a:p>
         </p:txBody>
       </p:sp>
@@ -3685,11 +3667,8 @@
             <a:pPr>
               <a:defRPr/>
             </a:pPr>
-            <a:fld id="{47505AF5-A83A-D142-BA81-73901F323853}" type="datetime1">
-              <a:rPr lang="en-US"/>
-              <a:pPr>
-                <a:defRPr/>
-              </a:pPr>
+            <a:fld id="{071798BE-3CB2-7042-8315-5E41ECAFF9FF}" type="datetime1">
+              <a:rPr lang="en-US" smtClean="0"/>
               <a:t>3/22/17</a:t>
             </a:fld>
             <a:endParaRPr lang="en-US"/>
@@ -3721,9 +3700,10 @@
               <a:defRPr/>
             </a:pPr>
             <a:r>
-              <a:rPr lang="en-US" altLang="en-US"/>
-              <a:t>ECE Application Programming:  Lecture 25</a:t>
-            </a:r>
+              <a:rPr lang="en-US" altLang="en-US" smtClean="0"/>
+              <a:t>ECE Application Programming:  Lecture 23</a:t>
+            </a:r>
+            <a:endParaRPr lang="en-US" altLang="en-US"/>
           </a:p>
         </p:txBody>
       </p:sp>
@@ -3816,11 +3796,8 @@
             <a:pPr>
               <a:defRPr/>
             </a:pPr>
-            <a:fld id="{EDC96253-BC3B-DD41-9484-BABB8E6F23CE}" type="datetime1">
-              <a:rPr lang="en-US"/>
-              <a:pPr>
-                <a:defRPr/>
-              </a:pPr>
+            <a:fld id="{9BBC7F8F-6BC1-384F-A193-7F6A143B0032}" type="datetime1">
+              <a:rPr lang="en-US" smtClean="0"/>
               <a:t>3/22/17</a:t>
             </a:fld>
             <a:endParaRPr lang="en-US"/>
@@ -3852,9 +3829,10 @@
               <a:defRPr/>
             </a:pPr>
             <a:r>
-              <a:rPr lang="en-US" altLang="en-US"/>
-              <a:t>ECE Application Programming:  Lecture 25</a:t>
-            </a:r>
+              <a:rPr lang="en-US" altLang="en-US" smtClean="0"/>
+              <a:t>ECE Application Programming:  Lecture 23</a:t>
+            </a:r>
+            <a:endParaRPr lang="en-US" altLang="en-US"/>
           </a:p>
         </p:txBody>
       </p:sp>
@@ -4129,11 +4107,8 @@
             <a:pPr>
               <a:defRPr/>
             </a:pPr>
-            <a:fld id="{CAACAF8F-939A-D847-BECE-B4FF3E5840F5}" type="datetime1">
-              <a:rPr lang="en-US"/>
-              <a:pPr>
-                <a:defRPr/>
-              </a:pPr>
+            <a:fld id="{F6123E4D-A222-974A-932F-A5EA63DD49B2}" type="datetime1">
+              <a:rPr lang="en-US" smtClean="0"/>
               <a:t>3/22/17</a:t>
             </a:fld>
             <a:endParaRPr lang="en-US"/>
@@ -4165,9 +4140,10 @@
               <a:defRPr/>
             </a:pPr>
             <a:r>
-              <a:rPr lang="en-US" altLang="en-US"/>
-              <a:t>ECE Application Programming:  Lecture 25</a:t>
-            </a:r>
+              <a:rPr lang="en-US" altLang="en-US" smtClean="0"/>
+              <a:t>ECE Application Programming:  Lecture 23</a:t>
+            </a:r>
+            <a:endParaRPr lang="en-US" altLang="en-US"/>
           </a:p>
         </p:txBody>
       </p:sp>
@@ -4419,11 +4395,8 @@
             <a:pPr>
               <a:defRPr/>
             </a:pPr>
-            <a:fld id="{A62F0164-1AC5-CE4B-87FA-E3ED96B04CA5}" type="datetime1">
-              <a:rPr lang="en-US"/>
-              <a:pPr>
-                <a:defRPr/>
-              </a:pPr>
+            <a:fld id="{EE7842ED-0771-944E-99D8-5E2E5D3E626B}" type="datetime1">
+              <a:rPr lang="en-US" smtClean="0"/>
               <a:t>3/22/17</a:t>
             </a:fld>
             <a:endParaRPr lang="en-US"/>
@@ -4455,9 +4428,10 @@
               <a:defRPr/>
             </a:pPr>
             <a:r>
-              <a:rPr lang="en-US" altLang="en-US"/>
-              <a:t>ECE Application Programming:  Lecture 25</a:t>
-            </a:r>
+              <a:rPr lang="en-US" altLang="en-US" smtClean="0"/>
+              <a:t>ECE Application Programming:  Lecture 23</a:t>
+            </a:r>
+            <a:endParaRPr lang="en-US" altLang="en-US"/>
           </a:p>
         </p:txBody>
       </p:sp>
@@ -4729,11 +4703,8 @@
             <a:pPr>
               <a:defRPr/>
             </a:pPr>
-            <a:fld id="{8C11A118-D3A7-B148-BC62-E66B2D88860C}" type="datetime1">
-              <a:rPr lang="en-US"/>
-              <a:pPr>
-                <a:defRPr/>
-              </a:pPr>
+            <a:fld id="{1CDB2EF4-FB70-5040-A75E-1918C0FC1FE1}" type="datetime1">
+              <a:rPr lang="en-US" smtClean="0"/>
               <a:t>3/22/17</a:t>
             </a:fld>
             <a:endParaRPr lang="en-US"/>
@@ -4787,9 +4758,10 @@
               <a:defRPr/>
             </a:pPr>
             <a:r>
-              <a:rPr lang="en-US" altLang="en-US"/>
-              <a:t>ECE Application Programming:  Lecture 25</a:t>
-            </a:r>
+              <a:rPr lang="en-US" altLang="en-US" smtClean="0"/>
+              <a:t>ECE Application Programming:  Lecture 23</a:t>
+            </a:r>
+            <a:endParaRPr lang="en-US" altLang="en-US"/>
           </a:p>
         </p:txBody>
       </p:sp>
@@ -5977,12 +5949,11 @@
           </a:lstStyle>
           <a:p>
             <a:pPr eaLnBrk="1" hangingPunct="1"/>
-            <a:fld id="{03E792A4-0146-6E4A-ABA9-77DE76ECF826}" type="datetime1">
-              <a:rPr lang="en-US" sz="1200">
+            <a:fld id="{A2F7FB6A-E2DA-C34C-9A57-AABE06157F59}" type="datetime1">
+              <a:rPr lang="en-US" sz="1200" smtClean="0">
                 <a:latin typeface="Garamond" charset="0"/>
                 <a:cs typeface="Arial" charset="0"/>
               </a:rPr>
-              <a:pPr eaLnBrk="1" hangingPunct="1"/>
               <a:t>3/22/17</a:t>
             </a:fld>
             <a:endParaRPr lang="en-US" sz="1200">
@@ -6011,9 +5982,10 @@
               <a:defRPr/>
             </a:pPr>
             <a:r>
-              <a:rPr lang="en-US" altLang="en-US"/>
-              <a:t>ECE Application Programming:  Lecture 25</a:t>
-            </a:r>
+              <a:rPr lang="en-US" altLang="en-US" smtClean="0"/>
+              <a:t>ECE Application Programming:  Lecture 23</a:t>
+            </a:r>
+            <a:endParaRPr lang="en-US" altLang="en-US"/>
           </a:p>
         </p:txBody>
       </p:sp>
@@ -6524,12 +6496,11 @@
           </a:lstStyle>
           <a:p>
             <a:pPr eaLnBrk="1" hangingPunct="1"/>
-            <a:fld id="{32412E06-A76F-954C-AA55-2398C6D4224A}" type="datetime1">
-              <a:rPr lang="en-US" sz="1200">
+            <a:fld id="{BFC42804-1FF4-5341-8382-DFE3576B7EAB}" type="datetime1">
+              <a:rPr lang="en-US" sz="1200" smtClean="0">
                 <a:latin typeface="Garamond" charset="0"/>
                 <a:cs typeface="Arial" charset="0"/>
               </a:rPr>
-              <a:pPr eaLnBrk="1" hangingPunct="1"/>
               <a:t>3/22/17</a:t>
             </a:fld>
             <a:endParaRPr lang="en-US" sz="1200">
@@ -6558,9 +6529,10 @@
               <a:defRPr/>
             </a:pPr>
             <a:r>
-              <a:rPr lang="en-US" altLang="en-US"/>
-              <a:t>ECE Application Programming:  Lecture 25</a:t>
-            </a:r>
+              <a:rPr lang="en-US" altLang="en-US" smtClean="0"/>
+              <a:t>ECE Application Programming:  Lecture 23</a:t>
+            </a:r>
+            <a:endParaRPr lang="en-US" altLang="en-US"/>
           </a:p>
         </p:txBody>
       </p:sp>
@@ -7684,12 +7656,11 @@
           </a:lstStyle>
           <a:p>
             <a:pPr eaLnBrk="1" hangingPunct="1"/>
-            <a:fld id="{5856CC80-83AC-7343-943E-88FEFD0D6035}" type="datetime1">
-              <a:rPr lang="en-US" sz="1200">
+            <a:fld id="{99F5914C-83A2-7E4E-B3A9-18D0A7003017}" type="datetime1">
+              <a:rPr lang="en-US" sz="1200" smtClean="0">
                 <a:latin typeface="Garamond" charset="0"/>
                 <a:cs typeface="Arial" charset="0"/>
               </a:rPr>
-              <a:pPr eaLnBrk="1" hangingPunct="1"/>
               <a:t>3/22/17</a:t>
             </a:fld>
             <a:endParaRPr lang="en-US" sz="1200">
@@ -7718,9 +7689,10 @@
               <a:defRPr/>
             </a:pPr>
             <a:r>
-              <a:rPr lang="en-US" altLang="en-US"/>
-              <a:t>ECE Application Programming:  Lecture 25</a:t>
-            </a:r>
+              <a:rPr lang="en-US" altLang="en-US" smtClean="0"/>
+              <a:t>ECE Application Programming:  Lecture 23</a:t>
+            </a:r>
+            <a:endParaRPr lang="en-US" altLang="en-US"/>
           </a:p>
         </p:txBody>
       </p:sp>
@@ -8196,12 +8168,11 @@
           </a:lstStyle>
           <a:p>
             <a:pPr eaLnBrk="1" hangingPunct="1"/>
-            <a:fld id="{C6DD6D05-B255-D041-946C-0E5CF11BD7F1}" type="datetime1">
-              <a:rPr lang="en-US" sz="1200">
+            <a:fld id="{FEC509F7-8D44-4540-A4A6-193DC8D9A7E4}" type="datetime1">
+              <a:rPr lang="en-US" sz="1200" smtClean="0">
                 <a:latin typeface="Garamond" charset="0"/>
                 <a:cs typeface="Arial" charset="0"/>
               </a:rPr>
-              <a:pPr eaLnBrk="1" hangingPunct="1"/>
               <a:t>3/22/17</a:t>
             </a:fld>
             <a:endParaRPr lang="en-US" sz="1200">
@@ -8230,9 +8201,10 @@
               <a:defRPr/>
             </a:pPr>
             <a:r>
-              <a:rPr lang="en-US" altLang="en-US"/>
-              <a:t>ECE Application Programming:  Lecture 25</a:t>
-            </a:r>
+              <a:rPr lang="en-US" altLang="en-US" smtClean="0"/>
+              <a:t>ECE Application Programming:  Lecture 23</a:t>
+            </a:r>
+            <a:endParaRPr lang="en-US" altLang="en-US"/>
           </a:p>
         </p:txBody>
       </p:sp>
@@ -8465,7 +8437,7 @@
         <p:spPr/>
         <p:txBody>
           <a:bodyPr>
-            <a:normAutofit fontScale="92500" lnSpcReduction="10000"/>
+            <a:normAutofit fontScale="92500" lnSpcReduction="20000"/>
           </a:bodyPr>
           <a:lstStyle/>
           <a:p>
@@ -8579,14 +8551,23 @@
               <a:defRPr/>
             </a:pPr>
             <a:r>
+              <a:rPr lang="en-US" dirty="0">
+                <a:latin typeface="Arial" charset="0"/>
+              </a:rPr>
+              <a:t>Li Zhou (</a:t>
+            </a:r>
+            <a:r>
               <a:rPr lang="en-US" dirty="0" err="1">
                 <a:latin typeface="Arial" charset="0"/>
               </a:rPr>
               <a:t>Li_Zhou@student.uml.edu</a:t>
             </a:r>
-            <a:endParaRPr lang="en-US" dirty="0">
-              <a:latin typeface="Arial" charset="0"/>
-            </a:endParaRPr>
+            <a:r>
+              <a:rPr lang="en-US" dirty="0">
+                <a:latin typeface="Arial" charset="0"/>
+              </a:rPr>
+              <a:t>): odd-numbered programs</a:t>
+            </a:r>
           </a:p>
           <a:p>
             <a:pPr lvl="2">
@@ -8596,16 +8577,38 @@
               <a:rPr lang="en-US" dirty="0" err="1">
                 <a:latin typeface="Arial" charset="0"/>
               </a:rPr>
+              <a:t>Zhendong</a:t>
+            </a:r>
+            <a:r>
+              <a:rPr lang="en-US" dirty="0">
+                <a:latin typeface="Arial" charset="0"/>
+              </a:rPr>
+              <a:t> Wang (</a:t>
+            </a:r>
+            <a:r>
+              <a:rPr lang="en-US" dirty="0" err="1">
+                <a:latin typeface="Arial" charset="0"/>
+              </a:rPr>
               <a:t>Zhendong_Wang@student.uml.edu</a:t>
             </a:r>
-            <a:endParaRPr lang="en-US">
-              <a:latin typeface="Arial" charset="0"/>
-            </a:endParaRPr>
-          </a:p>
-          <a:p>
-            <a:pPr lvl="1">
-              <a:defRPr/>
-            </a:pPr>
+            <a:r>
+              <a:rPr lang="en-US">
+                <a:latin typeface="Arial" charset="0"/>
+              </a:rPr>
+              <a:t>): even-</a:t>
+            </a:r>
+            <a:r>
+              <a:rPr lang="en-US">
+                <a:latin typeface="Arial" charset="0"/>
+              </a:rPr>
+              <a:t>numbered </a:t>
+            </a:r>
+            <a:r>
+              <a:rPr lang="en-US" smtClean="0">
+                <a:latin typeface="Arial" charset="0"/>
+              </a:rPr>
+              <a:t>programs</a:t>
+            </a:r>
             <a:endParaRPr lang="en-US" dirty="0">
               <a:latin typeface="Arial" charset="0"/>
             </a:endParaRPr>
@@ -8765,12 +8768,11 @@
           </a:lstStyle>
           <a:p>
             <a:pPr eaLnBrk="1" hangingPunct="1"/>
-            <a:fld id="{2278BD08-1254-214C-810A-08E617EB1170}" type="datetime1">
-              <a:rPr lang="en-US" sz="1200">
+            <a:fld id="{306502CE-BEE9-2947-9162-A357761229F9}" type="datetime1">
+              <a:rPr lang="en-US" sz="1200" smtClean="0">
                 <a:latin typeface="Garamond" charset="0"/>
                 <a:cs typeface="Arial" charset="0"/>
               </a:rPr>
-              <a:pPr eaLnBrk="1" hangingPunct="1"/>
               <a:t>3/22/17</a:t>
             </a:fld>
             <a:endParaRPr lang="en-US" sz="1200">
@@ -8799,9 +8801,10 @@
               <a:defRPr/>
             </a:pPr>
             <a:r>
-              <a:rPr lang="en-US" altLang="en-US"/>
-              <a:t>ECE Application Programming:  Lecture 25</a:t>
-            </a:r>
+              <a:rPr lang="en-US" altLang="en-US" smtClean="0"/>
+              <a:t>ECE Application Programming:  Lecture 23</a:t>
+            </a:r>
+            <a:endParaRPr lang="en-US" altLang="en-US"/>
           </a:p>
         </p:txBody>
       </p:sp>
@@ -9129,6 +9132,12 @@
               <a:defRPr/>
             </a:pPr>
             <a:r>
+              <a:rPr lang="en-US" dirty="0" smtClean="0">
+                <a:latin typeface="Arial" charset="0"/>
+              </a:rPr>
+              <a:t>Li Zhou (</a:t>
+            </a:r>
+            <a:r>
               <a:rPr lang="en-US" dirty="0" err="1" smtClean="0">
                 <a:latin typeface="Arial" charset="0"/>
               </a:rPr>
@@ -9138,7 +9147,19 @@
               <a:rPr lang="en-US" dirty="0" err="1">
                 <a:latin typeface="Arial" charset="0"/>
               </a:rPr>
-              <a:t>@student.uml.edu</a:t>
+              <a:t>@</a:t>
+            </a:r>
+            <a:r>
+              <a:rPr lang="en-US" dirty="0" err="1" smtClean="0">
+                <a:latin typeface="Arial" charset="0"/>
+              </a:rPr>
+              <a:t>student.uml.edu</a:t>
+            </a:r>
+            <a:r>
+              <a:rPr lang="en-US" dirty="0" smtClean="0">
+                <a:latin typeface="Arial" charset="0"/>
+              </a:rPr>
+              <a:t>): odd-numbered programs</a:t>
             </a:r>
             <a:endParaRPr lang="en-US" dirty="0">
               <a:latin typeface="Arial" charset="0"/>
@@ -9152,7 +9173,37 @@
               <a:rPr lang="en-US" dirty="0" err="1" smtClean="0">
                 <a:latin typeface="Arial" charset="0"/>
               </a:rPr>
-              <a:t>Zhendong_Wang@student.uml.edu</a:t>
+              <a:t>Zhendong</a:t>
+            </a:r>
+            <a:r>
+              <a:rPr lang="en-US" dirty="0" smtClean="0">
+                <a:latin typeface="Arial" charset="0"/>
+              </a:rPr>
+              <a:t> Wang (</a:t>
+            </a:r>
+            <a:r>
+              <a:rPr lang="en-US" dirty="0" err="1" smtClean="0">
+                <a:latin typeface="Arial" charset="0"/>
+              </a:rPr>
+              <a:t>Zhendong_Wang</a:t>
+            </a:r>
+            <a:r>
+              <a:rPr lang="en-US" dirty="0" err="1" smtClean="0">
+                <a:latin typeface="Arial" charset="0"/>
+              </a:rPr>
+              <a:t>@</a:t>
+            </a:r>
+            <a:r>
+              <a:rPr lang="en-US" dirty="0" err="1" smtClean="0">
+                <a:latin typeface="Arial" charset="0"/>
+              </a:rPr>
+              <a:t>student.uml.edu</a:t>
+            </a:r>
+            <a:r>
+              <a:rPr lang="en-US" dirty="0" smtClean="0">
+                <a:latin typeface="Arial" charset="0"/>
+              </a:rPr>
+              <a:t>): even-numbered programs</a:t>
             </a:r>
             <a:endParaRPr lang="en-US" dirty="0" smtClean="0">
               <a:latin typeface="Arial" charset="0"/>
@@ -9353,12 +9404,11 @@
           </a:lstStyle>
           <a:p>
             <a:pPr eaLnBrk="1" hangingPunct="1"/>
-            <a:fld id="{955EE3BC-A067-5941-974E-7F96907017ED}" type="datetime1">
-              <a:rPr lang="en-US" sz="1200">
+            <a:fld id="{DE8F61C0-9482-BE4B-9F2F-6647F91058DB}" type="datetime1">
+              <a:rPr lang="en-US" sz="1200" smtClean="0">
                 <a:latin typeface="Garamond" charset="0"/>
                 <a:cs typeface="Arial" charset="0"/>
               </a:rPr>
-              <a:pPr eaLnBrk="1" hangingPunct="1"/>
               <a:t>3/22/17</a:t>
             </a:fld>
             <a:endParaRPr lang="en-US" sz="1200">
@@ -9387,8 +9437,8 @@
               <a:defRPr/>
             </a:pPr>
             <a:r>
-              <a:rPr lang="en-US" altLang="en-US"/>
-              <a:t>ECE Application Programming:  Lecture 25</a:t>
+              <a:rPr lang="en-US" altLang="en-US" smtClean="0"/>
+              <a:t>ECE Application Programming:  Lecture 23</a:t>
             </a:r>
             <a:endParaRPr lang="en-US" altLang="en-US" dirty="0"/>
           </a:p>
@@ -10088,11 +10138,10 @@
           </a:lstStyle>
           <a:p>
             <a:pPr eaLnBrk="1" hangingPunct="1"/>
-            <a:fld id="{0F732358-0CB8-E948-AA65-932CC65E2D83}" type="datetime1">
-              <a:rPr lang="en-US" sz="1200">
+            <a:fld id="{8E2353C6-AF7C-4D4F-9FE8-EE645ECEAE34}" type="datetime1">
+              <a:rPr lang="en-US" sz="1200" smtClean="0">
                 <a:latin typeface="Garamond" charset="0"/>
               </a:rPr>
-              <a:pPr eaLnBrk="1" hangingPunct="1"/>
               <a:t>3/22/17</a:t>
             </a:fld>
             <a:endParaRPr lang="en-US" sz="1200">
@@ -10120,9 +10169,10 @@
               <a:defRPr/>
             </a:pPr>
             <a:r>
-              <a:rPr lang="en-US" altLang="en-US"/>
-              <a:t>ECE Application Programming: Exam 2 Preview</a:t>
-            </a:r>
+              <a:rPr lang="en-US" altLang="en-US" smtClean="0"/>
+              <a:t>ECE Application Programming:  Lecture 23</a:t>
+            </a:r>
+            <a:endParaRPr lang="en-US" altLang="en-US"/>
           </a:p>
         </p:txBody>
       </p:sp>
@@ -10768,12 +10818,11 @@
           </a:lstStyle>
           <a:p>
             <a:pPr eaLnBrk="1" hangingPunct="1"/>
-            <a:fld id="{7AA3EFEA-0FD7-8549-BDF8-1D1899DDD68F}" type="datetime1">
-              <a:rPr lang="en-US" sz="1200">
+            <a:fld id="{00583493-911E-C24B-9BB5-709208EE6FBA}" type="datetime1">
+              <a:rPr lang="en-US" sz="1200" smtClean="0">
                 <a:latin typeface="Garamond" charset="0"/>
                 <a:cs typeface="Arial" charset="0"/>
               </a:rPr>
-              <a:pPr eaLnBrk="1" hangingPunct="1"/>
               <a:t>3/22/17</a:t>
             </a:fld>
             <a:endParaRPr lang="en-US" sz="1200">
@@ -10803,7 +10852,7 @@
             </a:pPr>
             <a:r>
               <a:rPr lang="en-US" altLang="en-US" smtClean="0"/>
-              <a:t>ECE Application Programming: Lecture 22</a:t>
+              <a:t>ECE Application Programming:  Lecture 23</a:t>
             </a:r>
             <a:endParaRPr lang="en-US" altLang="en-US"/>
           </a:p>
@@ -11397,12 +11446,11 @@
           </a:lstStyle>
           <a:p>
             <a:pPr eaLnBrk="1" hangingPunct="1"/>
-            <a:fld id="{69614F27-D264-C74C-AA59-5194B1BA816C}" type="datetime1">
-              <a:rPr lang="en-US" sz="1200">
+            <a:fld id="{1857B5C5-667C-F146-8106-D05C076A170C}" type="datetime1">
+              <a:rPr lang="en-US" sz="1200" smtClean="0">
                 <a:latin typeface="Garamond" charset="0"/>
                 <a:cs typeface="Arial" charset="0"/>
               </a:rPr>
-              <a:pPr eaLnBrk="1" hangingPunct="1"/>
               <a:t>3/22/17</a:t>
             </a:fld>
             <a:endParaRPr lang="en-US" sz="1200">
@@ -11432,7 +11480,7 @@
             </a:pPr>
             <a:r>
               <a:rPr lang="en-US" altLang="en-US" smtClean="0"/>
-              <a:t>ECE Application Programming: Lecture 22</a:t>
+              <a:t>ECE Application Programming:  Lecture 23</a:t>
             </a:r>
             <a:endParaRPr lang="en-US" altLang="en-US"/>
           </a:p>
@@ -12713,12 +12761,11 @@
           </a:lstStyle>
           <a:p>
             <a:pPr eaLnBrk="1" hangingPunct="1"/>
-            <a:fld id="{30A85CEB-32DC-D244-B512-AD8DA8AB0062}" type="datetime1">
-              <a:rPr lang="en-US" sz="1200">
+            <a:fld id="{25F0FEBB-2139-D749-A344-C9EAEE819533}" type="datetime1">
+              <a:rPr lang="en-US" sz="1200" smtClean="0">
                 <a:latin typeface="Garamond" charset="0"/>
                 <a:cs typeface="Arial" charset="0"/>
               </a:rPr>
-              <a:pPr eaLnBrk="1" hangingPunct="1"/>
               <a:t>3/22/17</a:t>
             </a:fld>
             <a:endParaRPr lang="en-US" sz="1200">
@@ -12748,7 +12795,7 @@
             </a:pPr>
             <a:r>
               <a:rPr lang="en-US" altLang="en-US" smtClean="0"/>
-              <a:t>ECE Application Programming: Lecture 22</a:t>
+              <a:t>ECE Application Programming:  Lecture 23</a:t>
             </a:r>
             <a:endParaRPr lang="en-US" altLang="en-US"/>
           </a:p>
@@ -13376,12 +13423,11 @@
           </a:lstStyle>
           <a:p>
             <a:pPr eaLnBrk="1" hangingPunct="1"/>
-            <a:fld id="{2E581527-DA48-0841-95A5-933F96CD10E4}" type="datetime1">
-              <a:rPr lang="en-US" sz="1200">
+            <a:fld id="{B118F58B-130C-F24B-94FE-E1FE2602F729}" type="datetime1">
+              <a:rPr lang="en-US" sz="1200" smtClean="0">
                 <a:latin typeface="Garamond" charset="0"/>
                 <a:cs typeface="Arial" charset="0"/>
               </a:rPr>
-              <a:pPr eaLnBrk="1" hangingPunct="1"/>
               <a:t>3/22/17</a:t>
             </a:fld>
             <a:endParaRPr lang="en-US" sz="1200">
@@ -13411,7 +13457,7 @@
             </a:pPr>
             <a:r>
               <a:rPr lang="en-US" altLang="en-US" smtClean="0"/>
-              <a:t>ECE Application Programming: Lecture 22</a:t>
+              <a:t>ECE Application Programming:  Lecture 23</a:t>
             </a:r>
             <a:endParaRPr lang="en-US" altLang="en-US"/>
           </a:p>
@@ -13976,12 +14022,11 @@
           </a:lstStyle>
           <a:p>
             <a:pPr eaLnBrk="1" hangingPunct="1"/>
-            <a:fld id="{AB3C6053-287C-CA4C-8ACC-8A40CA7B1CFD}" type="datetime1">
-              <a:rPr lang="en-US" sz="1200">
+            <a:fld id="{ADEA2628-0578-A044-BB43-14D1FC564B43}" type="datetime1">
+              <a:rPr lang="en-US" sz="1200" smtClean="0">
                 <a:latin typeface="Garamond" charset="0"/>
                 <a:cs typeface="Arial" charset="0"/>
               </a:rPr>
-              <a:pPr eaLnBrk="1" hangingPunct="1"/>
               <a:t>3/22/17</a:t>
             </a:fld>
             <a:endParaRPr lang="en-US" sz="1200">
@@ -14010,9 +14055,10 @@
               <a:defRPr/>
             </a:pPr>
             <a:r>
-              <a:rPr lang="en-US" altLang="en-US"/>
-              <a:t>ECE Application Programming:  Lecture 25</a:t>
-            </a:r>
+              <a:rPr lang="en-US" altLang="en-US" smtClean="0"/>
+              <a:t>ECE Application Programming:  Lecture 23</a:t>
+            </a:r>
+            <a:endParaRPr lang="en-US" altLang="en-US"/>
           </a:p>
         </p:txBody>
       </p:sp>
@@ -14708,12 +14754,11 @@
           </a:lstStyle>
           <a:p>
             <a:pPr eaLnBrk="1" hangingPunct="1"/>
-            <a:fld id="{8A607BAA-1C45-154C-B974-2B08C7E69105}" type="datetime1">
-              <a:rPr lang="en-US" sz="1200">
+            <a:fld id="{938DA714-347F-9740-89FB-5C4423A3FE86}" type="datetime1">
+              <a:rPr lang="en-US" sz="1200" smtClean="0">
                 <a:latin typeface="Garamond" charset="0"/>
                 <a:cs typeface="Arial" charset="0"/>
               </a:rPr>
-              <a:pPr eaLnBrk="1" hangingPunct="1"/>
               <a:t>3/22/17</a:t>
             </a:fld>
             <a:endParaRPr lang="en-US" sz="1200">
@@ -14742,9 +14787,10 @@
               <a:defRPr/>
             </a:pPr>
             <a:r>
-              <a:rPr lang="en-US" altLang="en-US"/>
-              <a:t>ECE Application Programming:  Lecture 25</a:t>
-            </a:r>
+              <a:rPr lang="en-US" altLang="en-US" smtClean="0"/>
+              <a:t>ECE Application Programming:  Lecture 23</a:t>
+            </a:r>
+            <a:endParaRPr lang="en-US" altLang="en-US"/>
           </a:p>
         </p:txBody>
       </p:sp>
